--- a/while/fig/fig.pptx
+++ b/while/fig/fig.pptx
@@ -6,6 +6,8 @@
   </p:sldMasterIdLst>
   <p:sldIdLst>
     <p:sldId id="256" r:id="rId2"/>
+    <p:sldId id="257" r:id="rId3"/>
+    <p:sldId id="258" r:id="rId4"/>
   </p:sldIdLst>
   <p:sldSz cx="9144000" cy="6858000" type="screen4x3"/>
   <p:notesSz cx="6858000" cy="9144000"/>
@@ -1284,6 +1286,1718 @@
 </p:sld>
 </file>
 
+<file path=ppt/slides/slide2.xml><?xml version="1.0" encoding="utf-8"?>
+<p:sld xmlns:a="http://schemas.openxmlformats.org/drawingml/2006/main" xmlns:r="http://schemas.openxmlformats.org/officeDocument/2006/relationships" xmlns:p="http://schemas.openxmlformats.org/presentationml/2006/main">
+  <p:cSld>
+    <p:spTree>
+      <p:nvGrpSpPr>
+        <p:cNvPr id="1" name=""/>
+        <p:cNvGrpSpPr/>
+        <p:nvPr/>
+      </p:nvGrpSpPr>
+      <p:grpSpPr>
+        <a:xfrm>
+          <a:off x="0" y="0"/>
+          <a:ext cx="0" cy="0"/>
+          <a:chOff x="0" y="0"/>
+          <a:chExt cx="0" cy="0"/>
+        </a:xfrm>
+      </p:grpSpPr>
+      <p:sp>
+        <p:nvSpPr>
+          <p:cNvPr id="23" name="正方形/長方形 22">
+            <a:extLst>
+              <a:ext uri="{FF2B5EF4-FFF2-40B4-BE49-F238E27FC236}">
+                <a16:creationId xmlns:a16="http://schemas.microsoft.com/office/drawing/2014/main" id="{205790C0-59CE-9C4C-BCC2-DFA13D60BCDF}"/>
+              </a:ext>
+            </a:extLst>
+          </p:cNvPr>
+          <p:cNvSpPr/>
+          <p:nvPr/>
+        </p:nvSpPr>
+        <p:spPr>
+          <a:xfrm>
+            <a:off x="5756072" y="782320"/>
+            <a:ext cx="2707208" cy="1757680"/>
+          </a:xfrm>
+          <a:prstGeom prst="rect">
+            <a:avLst/>
+          </a:prstGeom>
+          <a:solidFill>
+            <a:schemeClr val="accent1">
+              <a:lumMod val="20000"/>
+              <a:lumOff val="80000"/>
+            </a:schemeClr>
+          </a:solidFill>
+          <a:ln>
+            <a:noFill/>
+          </a:ln>
+        </p:spPr>
+        <p:style>
+          <a:lnRef idx="2">
+            <a:schemeClr val="accent1">
+              <a:shade val="50000"/>
+            </a:schemeClr>
+          </a:lnRef>
+          <a:fillRef idx="1">
+            <a:schemeClr val="accent1"/>
+          </a:fillRef>
+          <a:effectRef idx="0">
+            <a:schemeClr val="accent1"/>
+          </a:effectRef>
+          <a:fontRef idx="minor">
+            <a:schemeClr val="lt1"/>
+          </a:fontRef>
+        </p:style>
+        <p:txBody>
+          <a:bodyPr rtlCol="0" anchor="ctr"/>
+          <a:lstStyle/>
+          <a:p>
+            <a:pPr algn="ctr"/>
+            <a:endParaRPr kumimoji="1" lang="ja-JP" altLang="en-US">
+              <a:solidFill>
+                <a:schemeClr val="tx1"/>
+              </a:solidFill>
+            </a:endParaRPr>
+          </a:p>
+        </p:txBody>
+      </p:sp>
+      <p:sp>
+        <p:nvSpPr>
+          <p:cNvPr id="22" name="正方形/長方形 21">
+            <a:extLst>
+              <a:ext uri="{FF2B5EF4-FFF2-40B4-BE49-F238E27FC236}">
+                <a16:creationId xmlns:a16="http://schemas.microsoft.com/office/drawing/2014/main" id="{B6F10AF0-12A6-594D-BA3C-74B213226DE0}"/>
+              </a:ext>
+            </a:extLst>
+          </p:cNvPr>
+          <p:cNvSpPr/>
+          <p:nvPr/>
+        </p:nvSpPr>
+        <p:spPr>
+          <a:xfrm>
+            <a:off x="6392208" y="1634128"/>
+            <a:ext cx="2060912" cy="357232"/>
+          </a:xfrm>
+          <a:prstGeom prst="rect">
+            <a:avLst/>
+          </a:prstGeom>
+          <a:solidFill>
+            <a:srgbClr val="FF8AD8"/>
+          </a:solidFill>
+          <a:ln>
+            <a:noFill/>
+          </a:ln>
+        </p:spPr>
+        <p:style>
+          <a:lnRef idx="2">
+            <a:schemeClr val="accent1">
+              <a:shade val="50000"/>
+            </a:schemeClr>
+          </a:lnRef>
+          <a:fillRef idx="1">
+            <a:schemeClr val="accent1"/>
+          </a:fillRef>
+          <a:effectRef idx="0">
+            <a:schemeClr val="accent1"/>
+          </a:effectRef>
+          <a:fontRef idx="minor">
+            <a:schemeClr val="lt1"/>
+          </a:fontRef>
+        </p:style>
+        <p:txBody>
+          <a:bodyPr rtlCol="0" anchor="ctr"/>
+          <a:lstStyle/>
+          <a:p>
+            <a:pPr algn="ctr"/>
+            <a:endParaRPr kumimoji="1" lang="ja-JP" altLang="en-US">
+              <a:solidFill>
+                <a:schemeClr val="tx1"/>
+              </a:solidFill>
+            </a:endParaRPr>
+          </a:p>
+        </p:txBody>
+      </p:sp>
+      <p:sp>
+        <p:nvSpPr>
+          <p:cNvPr id="5" name="正方形/長方形 4">
+            <a:extLst>
+              <a:ext uri="{FF2B5EF4-FFF2-40B4-BE49-F238E27FC236}">
+                <a16:creationId xmlns:a16="http://schemas.microsoft.com/office/drawing/2014/main" id="{491E54B8-D9D9-BE44-A057-D16176663610}"/>
+              </a:ext>
+            </a:extLst>
+          </p:cNvPr>
+          <p:cNvSpPr/>
+          <p:nvPr/>
+        </p:nvSpPr>
+        <p:spPr>
+          <a:xfrm>
+            <a:off x="462712" y="3241040"/>
+            <a:ext cx="3601288" cy="2648204"/>
+          </a:xfrm>
+          <a:prstGeom prst="rect">
+            <a:avLst/>
+          </a:prstGeom>
+          <a:solidFill>
+            <a:schemeClr val="accent1">
+              <a:lumMod val="20000"/>
+              <a:lumOff val="80000"/>
+            </a:schemeClr>
+          </a:solidFill>
+          <a:ln>
+            <a:noFill/>
+          </a:ln>
+        </p:spPr>
+        <p:style>
+          <a:lnRef idx="2">
+            <a:schemeClr val="accent1">
+              <a:shade val="50000"/>
+            </a:schemeClr>
+          </a:lnRef>
+          <a:fillRef idx="1">
+            <a:schemeClr val="accent1"/>
+          </a:fillRef>
+          <a:effectRef idx="0">
+            <a:schemeClr val="accent1"/>
+          </a:effectRef>
+          <a:fontRef idx="minor">
+            <a:schemeClr val="lt1"/>
+          </a:fontRef>
+        </p:style>
+        <p:txBody>
+          <a:bodyPr rtlCol="0" anchor="ctr"/>
+          <a:lstStyle/>
+          <a:p>
+            <a:pPr algn="ctr"/>
+            <a:endParaRPr kumimoji="1" lang="ja-JP" altLang="en-US">
+              <a:solidFill>
+                <a:schemeClr val="tx1"/>
+              </a:solidFill>
+            </a:endParaRPr>
+          </a:p>
+        </p:txBody>
+      </p:sp>
+      <p:sp>
+        <p:nvSpPr>
+          <p:cNvPr id="4" name="正方形/長方形 3">
+            <a:extLst>
+              <a:ext uri="{FF2B5EF4-FFF2-40B4-BE49-F238E27FC236}">
+                <a16:creationId xmlns:a16="http://schemas.microsoft.com/office/drawing/2014/main" id="{A2A19895-B0EB-1645-8369-30B081700D7B}"/>
+              </a:ext>
+            </a:extLst>
+          </p:cNvPr>
+          <p:cNvSpPr/>
+          <p:nvPr/>
+        </p:nvSpPr>
+        <p:spPr>
+          <a:xfrm>
+            <a:off x="452552" y="802640"/>
+            <a:ext cx="2707208" cy="1757680"/>
+          </a:xfrm>
+          <a:prstGeom prst="rect">
+            <a:avLst/>
+          </a:prstGeom>
+          <a:solidFill>
+            <a:schemeClr val="accent1">
+              <a:lumMod val="20000"/>
+              <a:lumOff val="80000"/>
+            </a:schemeClr>
+          </a:solidFill>
+          <a:ln>
+            <a:noFill/>
+          </a:ln>
+        </p:spPr>
+        <p:style>
+          <a:lnRef idx="2">
+            <a:schemeClr val="accent1">
+              <a:shade val="50000"/>
+            </a:schemeClr>
+          </a:lnRef>
+          <a:fillRef idx="1">
+            <a:schemeClr val="accent1"/>
+          </a:fillRef>
+          <a:effectRef idx="0">
+            <a:schemeClr val="accent1"/>
+          </a:effectRef>
+          <a:fontRef idx="minor">
+            <a:schemeClr val="lt1"/>
+          </a:fontRef>
+        </p:style>
+        <p:txBody>
+          <a:bodyPr rtlCol="0" anchor="ctr"/>
+          <a:lstStyle/>
+          <a:p>
+            <a:pPr algn="ctr"/>
+            <a:endParaRPr kumimoji="1" lang="ja-JP" altLang="en-US">
+              <a:solidFill>
+                <a:schemeClr val="tx1"/>
+              </a:solidFill>
+            </a:endParaRPr>
+          </a:p>
+        </p:txBody>
+      </p:sp>
+      <p:sp>
+        <p:nvSpPr>
+          <p:cNvPr id="6" name="正方形/長方形 5">
+            <a:extLst>
+              <a:ext uri="{FF2B5EF4-FFF2-40B4-BE49-F238E27FC236}">
+                <a16:creationId xmlns:a16="http://schemas.microsoft.com/office/drawing/2014/main" id="{61997428-4F3A-914E-9AD7-C3579B2C6F14}"/>
+              </a:ext>
+            </a:extLst>
+          </p:cNvPr>
+          <p:cNvSpPr/>
+          <p:nvPr/>
+        </p:nvSpPr>
+        <p:spPr>
+          <a:xfrm>
+            <a:off x="966768" y="1126128"/>
+            <a:ext cx="2182832" cy="692512"/>
+          </a:xfrm>
+          <a:prstGeom prst="rect">
+            <a:avLst/>
+          </a:prstGeom>
+          <a:solidFill>
+            <a:srgbClr val="FF8AD8"/>
+          </a:solidFill>
+          <a:ln>
+            <a:noFill/>
+          </a:ln>
+        </p:spPr>
+        <p:style>
+          <a:lnRef idx="2">
+            <a:schemeClr val="accent1">
+              <a:shade val="50000"/>
+            </a:schemeClr>
+          </a:lnRef>
+          <a:fillRef idx="1">
+            <a:schemeClr val="accent1"/>
+          </a:fillRef>
+          <a:effectRef idx="0">
+            <a:schemeClr val="accent1"/>
+          </a:effectRef>
+          <a:fontRef idx="minor">
+            <a:schemeClr val="lt1"/>
+          </a:fontRef>
+        </p:style>
+        <p:txBody>
+          <a:bodyPr rtlCol="0" anchor="ctr"/>
+          <a:lstStyle/>
+          <a:p>
+            <a:pPr algn="ctr"/>
+            <a:endParaRPr kumimoji="1" lang="ja-JP" altLang="en-US">
+              <a:solidFill>
+                <a:schemeClr val="tx1"/>
+              </a:solidFill>
+            </a:endParaRPr>
+          </a:p>
+        </p:txBody>
+      </p:sp>
+      <p:sp>
+        <p:nvSpPr>
+          <p:cNvPr id="3" name="正方形/長方形 2">
+            <a:extLst>
+              <a:ext uri="{FF2B5EF4-FFF2-40B4-BE49-F238E27FC236}">
+                <a16:creationId xmlns:a16="http://schemas.microsoft.com/office/drawing/2014/main" id="{41F7F20B-1EE7-614C-B361-B4343B7F88C4}"/>
+              </a:ext>
+            </a:extLst>
+          </p:cNvPr>
+          <p:cNvSpPr/>
+          <p:nvPr/>
+        </p:nvSpPr>
+        <p:spPr>
+          <a:xfrm>
+            <a:off x="394648" y="813336"/>
+            <a:ext cx="3024336" cy="1754326"/>
+          </a:xfrm>
+          <a:prstGeom prst="rect">
+            <a:avLst/>
+          </a:prstGeom>
+        </p:spPr>
+        <p:txBody>
+          <a:bodyPr wrap="square">
+            <a:spAutoFit/>
+          </a:bodyPr>
+          <a:lstStyle/>
+          <a:p>
+            <a:r>
+              <a:rPr lang="en-US" altLang="ja-JP">
+                <a:latin typeface="Menlo" panose="020B0609030804020204" pitchFamily="49" charset="0"/>
+                <a:cs typeface="Menlo" panose="020B0609030804020204" pitchFamily="49" charset="0"/>
+              </a:rPr>
+              <a:t>def func():</a:t>
+            </a:r>
+          </a:p>
+          <a:p>
+            <a:r>
+              <a:rPr lang="en-US" altLang="ja-JP">
+                <a:latin typeface="Menlo" panose="020B0609030804020204" pitchFamily="49" charset="0"/>
+                <a:cs typeface="Menlo" panose="020B0609030804020204" pitchFamily="49" charset="0"/>
+              </a:rPr>
+              <a:t>    a = 10</a:t>
+            </a:r>
+          </a:p>
+          <a:p>
+            <a:r>
+              <a:rPr lang="en-US" altLang="ja-JP">
+                <a:latin typeface="Menlo" panose="020B0609030804020204" pitchFamily="49" charset="0"/>
+                <a:cs typeface="Menlo" panose="020B0609030804020204" pitchFamily="49" charset="0"/>
+              </a:rPr>
+              <a:t>    print(a)</a:t>
+            </a:r>
+          </a:p>
+          <a:p>
+            <a:endParaRPr lang="en-US" altLang="ja-JP">
+              <a:latin typeface="Menlo" panose="020B0609030804020204" pitchFamily="49" charset="0"/>
+              <a:cs typeface="Menlo" panose="020B0609030804020204" pitchFamily="49" charset="0"/>
+            </a:endParaRPr>
+          </a:p>
+          <a:p>
+            <a:r>
+              <a:rPr lang="en-US" altLang="ja-JP">
+                <a:latin typeface="Menlo" panose="020B0609030804020204" pitchFamily="49" charset="0"/>
+                <a:cs typeface="Menlo" panose="020B0609030804020204" pitchFamily="49" charset="0"/>
+              </a:rPr>
+              <a:t>func()</a:t>
+            </a:r>
+          </a:p>
+          <a:p>
+            <a:r>
+              <a:rPr lang="en-US" altLang="ja-JP" b="1">
+                <a:solidFill>
+                  <a:srgbClr val="FF0000"/>
+                </a:solidFill>
+                <a:latin typeface="Menlo" panose="020B0609030804020204" pitchFamily="49" charset="0"/>
+                <a:cs typeface="Menlo" panose="020B0609030804020204" pitchFamily="49" charset="0"/>
+              </a:rPr>
+              <a:t>print(a)</a:t>
+            </a:r>
+            <a:endParaRPr lang="ja-JP" altLang="en-US" b="1">
+              <a:solidFill>
+                <a:srgbClr val="FF0000"/>
+              </a:solidFill>
+              <a:latin typeface="Menlo" panose="020B0609030804020204" pitchFamily="49" charset="0"/>
+              <a:cs typeface="Menlo" panose="020B0609030804020204" pitchFamily="49" charset="0"/>
+            </a:endParaRPr>
+          </a:p>
+        </p:txBody>
+      </p:sp>
+      <p:sp>
+        <p:nvSpPr>
+          <p:cNvPr id="7" name="正方形/長方形 6">
+            <a:extLst>
+              <a:ext uri="{FF2B5EF4-FFF2-40B4-BE49-F238E27FC236}">
+                <a16:creationId xmlns:a16="http://schemas.microsoft.com/office/drawing/2014/main" id="{07199D7D-593E-4846-897A-052FE907EDA4}"/>
+              </a:ext>
+            </a:extLst>
+          </p:cNvPr>
+          <p:cNvSpPr/>
+          <p:nvPr/>
+        </p:nvSpPr>
+        <p:spPr>
+          <a:xfrm>
+            <a:off x="2204720" y="3767728"/>
+            <a:ext cx="1645920" cy="1728832"/>
+          </a:xfrm>
+          <a:prstGeom prst="rect">
+            <a:avLst/>
+          </a:prstGeom>
+          <a:solidFill>
+            <a:srgbClr val="FF8AD8"/>
+          </a:solidFill>
+          <a:ln>
+            <a:noFill/>
+          </a:ln>
+        </p:spPr>
+        <p:style>
+          <a:lnRef idx="2">
+            <a:schemeClr val="accent1">
+              <a:shade val="50000"/>
+            </a:schemeClr>
+          </a:lnRef>
+          <a:fillRef idx="1">
+            <a:schemeClr val="accent1"/>
+          </a:fillRef>
+          <a:effectRef idx="0">
+            <a:schemeClr val="accent1"/>
+          </a:effectRef>
+          <a:fontRef idx="minor">
+            <a:schemeClr val="lt1"/>
+          </a:fontRef>
+        </p:style>
+        <p:txBody>
+          <a:bodyPr rtlCol="0" anchor="ctr"/>
+          <a:lstStyle/>
+          <a:p>
+            <a:pPr algn="ctr"/>
+            <a:endParaRPr kumimoji="1" lang="ja-JP" altLang="en-US">
+              <a:solidFill>
+                <a:schemeClr val="tx1"/>
+              </a:solidFill>
+            </a:endParaRPr>
+          </a:p>
+        </p:txBody>
+      </p:sp>
+      <p:pic>
+        <p:nvPicPr>
+          <p:cNvPr id="9" name="図 8">
+            <a:extLst>
+              <a:ext uri="{FF2B5EF4-FFF2-40B4-BE49-F238E27FC236}">
+                <a16:creationId xmlns:a16="http://schemas.microsoft.com/office/drawing/2014/main" id="{F485EC68-7A6B-9045-8D45-C4C89D27D498}"/>
+              </a:ext>
+            </a:extLst>
+          </p:cNvPr>
+          <p:cNvPicPr>
+            <a:picLocks noChangeAspect="1"/>
+          </p:cNvPicPr>
+          <p:nvPr/>
+        </p:nvPicPr>
+        <p:blipFill>
+          <a:blip r:embed="rId2"/>
+          <a:stretch>
+            <a:fillRect/>
+          </a:stretch>
+        </p:blipFill>
+        <p:spPr>
+          <a:xfrm>
+            <a:off x="2481580" y="4061460"/>
+            <a:ext cx="1130300" cy="1130300"/>
+          </a:xfrm>
+          <a:prstGeom prst="rect">
+            <a:avLst/>
+          </a:prstGeom>
+        </p:spPr>
+      </p:pic>
+      <p:pic>
+        <p:nvPicPr>
+          <p:cNvPr id="10" name="図 9">
+            <a:extLst>
+              <a:ext uri="{FF2B5EF4-FFF2-40B4-BE49-F238E27FC236}">
+                <a16:creationId xmlns:a16="http://schemas.microsoft.com/office/drawing/2014/main" id="{29BE1457-3A53-D448-AB7E-7B7F0C7DDA12}"/>
+              </a:ext>
+            </a:extLst>
+          </p:cNvPr>
+          <p:cNvPicPr>
+            <a:picLocks noChangeAspect="1"/>
+          </p:cNvPicPr>
+          <p:nvPr/>
+        </p:nvPicPr>
+        <p:blipFill>
+          <a:blip r:embed="rId3"/>
+          <a:stretch>
+            <a:fillRect/>
+          </a:stretch>
+        </p:blipFill>
+        <p:spPr>
+          <a:xfrm flipH="1">
+            <a:off x="487703" y="3870960"/>
+            <a:ext cx="1461974" cy="1615440"/>
+          </a:xfrm>
+          <a:prstGeom prst="rect">
+            <a:avLst/>
+          </a:prstGeom>
+        </p:spPr>
+      </p:pic>
+      <p:cxnSp>
+        <p:nvCxnSpPr>
+          <p:cNvPr id="12" name="直線矢印コネクタ 11">
+            <a:extLst>
+              <a:ext uri="{FF2B5EF4-FFF2-40B4-BE49-F238E27FC236}">
+                <a16:creationId xmlns:a16="http://schemas.microsoft.com/office/drawing/2014/main" id="{B0F8CA87-1152-9E48-899A-18FA8DEA6AE1}"/>
+              </a:ext>
+            </a:extLst>
+          </p:cNvPr>
+          <p:cNvCxnSpPr>
+            <a:cxnSpLocks/>
+          </p:cNvCxnSpPr>
+          <p:nvPr/>
+        </p:nvCxnSpPr>
+        <p:spPr>
+          <a:xfrm>
+            <a:off x="1788160" y="4429760"/>
+            <a:ext cx="772160" cy="0"/>
+          </a:xfrm>
+          <a:prstGeom prst="straightConnector1">
+            <a:avLst/>
+          </a:prstGeom>
+          <a:ln w="76200">
+            <a:solidFill>
+              <a:schemeClr val="tx1"/>
+            </a:solidFill>
+            <a:prstDash val="sysDot"/>
+            <a:tailEnd type="triangle"/>
+          </a:ln>
+        </p:spPr>
+        <p:style>
+          <a:lnRef idx="1">
+            <a:schemeClr val="accent1"/>
+          </a:lnRef>
+          <a:fillRef idx="0">
+            <a:schemeClr val="accent1"/>
+          </a:fillRef>
+          <a:effectRef idx="0">
+            <a:schemeClr val="accent1"/>
+          </a:effectRef>
+          <a:fontRef idx="minor">
+            <a:schemeClr val="tx1"/>
+          </a:fontRef>
+        </p:style>
+      </p:cxnSp>
+      <p:pic>
+        <p:nvPicPr>
+          <p:cNvPr id="15" name="図 14">
+            <a:extLst>
+              <a:ext uri="{FF2B5EF4-FFF2-40B4-BE49-F238E27FC236}">
+                <a16:creationId xmlns:a16="http://schemas.microsoft.com/office/drawing/2014/main" id="{B7181F8F-7295-E84F-977D-48FF4B8B53CA}"/>
+              </a:ext>
+            </a:extLst>
+          </p:cNvPr>
+          <p:cNvPicPr>
+            <a:picLocks noChangeAspect="1"/>
+          </p:cNvPicPr>
+          <p:nvPr/>
+        </p:nvPicPr>
+        <p:blipFill>
+          <a:blip r:embed="rId4"/>
+          <a:stretch>
+            <a:fillRect/>
+          </a:stretch>
+        </p:blipFill>
+        <p:spPr>
+          <a:xfrm>
+            <a:off x="1897380" y="3840480"/>
+            <a:ext cx="535940" cy="535940"/>
+          </a:xfrm>
+          <a:prstGeom prst="rect">
+            <a:avLst/>
+          </a:prstGeom>
+        </p:spPr>
+      </p:pic>
+      <p:sp>
+        <p:nvSpPr>
+          <p:cNvPr id="16" name="テキスト ボックス 15">
+            <a:extLst>
+              <a:ext uri="{FF2B5EF4-FFF2-40B4-BE49-F238E27FC236}">
+                <a16:creationId xmlns:a16="http://schemas.microsoft.com/office/drawing/2014/main" id="{BEB7F15C-CF90-0242-AF5F-D25FD9E249BD}"/>
+              </a:ext>
+            </a:extLst>
+          </p:cNvPr>
+          <p:cNvSpPr txBox="1"/>
+          <p:nvPr/>
+        </p:nvSpPr>
+        <p:spPr>
+          <a:xfrm>
+            <a:off x="1645920" y="2194560"/>
+            <a:ext cx="1569660" cy="369332"/>
+          </a:xfrm>
+          <a:prstGeom prst="rect">
+            <a:avLst/>
+          </a:prstGeom>
+          <a:noFill/>
+        </p:spPr>
+        <p:txBody>
+          <a:bodyPr wrap="none" rtlCol="0">
+            <a:spAutoFit/>
+          </a:bodyPr>
+          <a:lstStyle/>
+          <a:p>
+            <a:r>
+              <a:rPr kumimoji="1" lang="ja-JP" altLang="en-US"/>
+              <a:t>エラーになる</a:t>
+            </a:r>
+          </a:p>
+        </p:txBody>
+      </p:sp>
+      <p:sp>
+        <p:nvSpPr>
+          <p:cNvPr id="17" name="テキスト ボックス 16">
+            <a:extLst>
+              <a:ext uri="{FF2B5EF4-FFF2-40B4-BE49-F238E27FC236}">
+                <a16:creationId xmlns:a16="http://schemas.microsoft.com/office/drawing/2014/main" id="{21B51163-AA17-4F43-B5E9-B0D6BE135FCB}"/>
+              </a:ext>
+            </a:extLst>
+          </p:cNvPr>
+          <p:cNvSpPr txBox="1"/>
+          <p:nvPr/>
+        </p:nvSpPr>
+        <p:spPr>
+          <a:xfrm>
+            <a:off x="538480" y="2824480"/>
+            <a:ext cx="3416320" cy="369332"/>
+          </a:xfrm>
+          <a:prstGeom prst="rect">
+            <a:avLst/>
+          </a:prstGeom>
+          <a:noFill/>
+        </p:spPr>
+        <p:txBody>
+          <a:bodyPr wrap="none" rtlCol="0">
+            <a:spAutoFit/>
+          </a:bodyPr>
+          <a:lstStyle/>
+          <a:p>
+            <a:r>
+              <a:rPr kumimoji="1" lang="ja-JP" altLang="en-US"/>
+              <a:t>外から中を見ることはできない</a:t>
+            </a:r>
+          </a:p>
+        </p:txBody>
+      </p:sp>
+      <p:sp>
+        <p:nvSpPr>
+          <p:cNvPr id="21" name="正方形/長方形 20">
+            <a:extLst>
+              <a:ext uri="{FF2B5EF4-FFF2-40B4-BE49-F238E27FC236}">
+                <a16:creationId xmlns:a16="http://schemas.microsoft.com/office/drawing/2014/main" id="{29BF243B-636E-3446-B516-DB08090C8BCC}"/>
+              </a:ext>
+            </a:extLst>
+          </p:cNvPr>
+          <p:cNvSpPr/>
+          <p:nvPr/>
+        </p:nvSpPr>
+        <p:spPr>
+          <a:xfrm>
+            <a:off x="5799768" y="782856"/>
+            <a:ext cx="3024336" cy="1754326"/>
+          </a:xfrm>
+          <a:prstGeom prst="rect">
+            <a:avLst/>
+          </a:prstGeom>
+        </p:spPr>
+        <p:txBody>
+          <a:bodyPr wrap="square">
+            <a:spAutoFit/>
+          </a:bodyPr>
+          <a:lstStyle/>
+          <a:p>
+            <a:r>
+              <a:rPr lang="en-US" altLang="ja-JP">
+                <a:latin typeface="Menlo" panose="020B0609030804020204" pitchFamily="49" charset="0"/>
+                <a:cs typeface="Menlo" panose="020B0609030804020204" pitchFamily="49" charset="0"/>
+              </a:rPr>
+              <a:t>a = 10</a:t>
+            </a:r>
+          </a:p>
+          <a:p>
+            <a:endParaRPr lang="en-US" altLang="ja-JP">
+              <a:latin typeface="Menlo" panose="020B0609030804020204" pitchFamily="49" charset="0"/>
+              <a:cs typeface="Menlo" panose="020B0609030804020204" pitchFamily="49" charset="0"/>
+            </a:endParaRPr>
+          </a:p>
+          <a:p>
+            <a:r>
+              <a:rPr lang="en-US" altLang="ja-JP">
+                <a:latin typeface="Menlo" panose="020B0609030804020204" pitchFamily="49" charset="0"/>
+                <a:cs typeface="Menlo" panose="020B0609030804020204" pitchFamily="49" charset="0"/>
+              </a:rPr>
+              <a:t>def func():</a:t>
+            </a:r>
+          </a:p>
+          <a:p>
+            <a:r>
+              <a:rPr lang="en-US" altLang="ja-JP">
+                <a:latin typeface="Menlo" panose="020B0609030804020204" pitchFamily="49" charset="0"/>
+                <a:cs typeface="Menlo" panose="020B0609030804020204" pitchFamily="49" charset="0"/>
+              </a:rPr>
+              <a:t>    print(a)</a:t>
+            </a:r>
+          </a:p>
+          <a:p>
+            <a:endParaRPr lang="en-US" altLang="ja-JP">
+              <a:latin typeface="Menlo" panose="020B0609030804020204" pitchFamily="49" charset="0"/>
+              <a:cs typeface="Menlo" panose="020B0609030804020204" pitchFamily="49" charset="0"/>
+            </a:endParaRPr>
+          </a:p>
+          <a:p>
+            <a:r>
+              <a:rPr lang="en-US" altLang="ja-JP">
+                <a:latin typeface="Menlo" panose="020B0609030804020204" pitchFamily="49" charset="0"/>
+                <a:cs typeface="Menlo" panose="020B0609030804020204" pitchFamily="49" charset="0"/>
+              </a:rPr>
+              <a:t>func()</a:t>
+            </a:r>
+          </a:p>
+        </p:txBody>
+      </p:sp>
+      <p:sp>
+        <p:nvSpPr>
+          <p:cNvPr id="24" name="テキスト ボックス 23">
+            <a:extLst>
+              <a:ext uri="{FF2B5EF4-FFF2-40B4-BE49-F238E27FC236}">
+                <a16:creationId xmlns:a16="http://schemas.microsoft.com/office/drawing/2014/main" id="{45F802F6-88F8-5542-BBCC-642191295D2C}"/>
+              </a:ext>
+            </a:extLst>
+          </p:cNvPr>
+          <p:cNvSpPr txBox="1"/>
+          <p:nvPr/>
+        </p:nvSpPr>
+        <p:spPr>
+          <a:xfrm>
+            <a:off x="3302000" y="142240"/>
+            <a:ext cx="2262158" cy="369332"/>
+          </a:xfrm>
+          <a:prstGeom prst="rect">
+            <a:avLst/>
+          </a:prstGeom>
+          <a:noFill/>
+        </p:spPr>
+        <p:txBody>
+          <a:bodyPr wrap="none" rtlCol="0">
+            <a:spAutoFit/>
+          </a:bodyPr>
+          <a:lstStyle/>
+          <a:p>
+            <a:r>
+              <a:rPr kumimoji="1" lang="ja-JP" altLang="en-US"/>
+              <a:t>グローバルスコープ</a:t>
+            </a:r>
+          </a:p>
+        </p:txBody>
+      </p:sp>
+      <p:cxnSp>
+        <p:nvCxnSpPr>
+          <p:cNvPr id="26" name="直線矢印コネクタ 25">
+            <a:extLst>
+              <a:ext uri="{FF2B5EF4-FFF2-40B4-BE49-F238E27FC236}">
+                <a16:creationId xmlns:a16="http://schemas.microsoft.com/office/drawing/2014/main" id="{08A367E7-A928-FC4E-BF50-6D371072E63C}"/>
+              </a:ext>
+            </a:extLst>
+          </p:cNvPr>
+          <p:cNvCxnSpPr/>
+          <p:nvPr/>
+        </p:nvCxnSpPr>
+        <p:spPr>
+          <a:xfrm flipH="1">
+            <a:off x="2956560" y="508000"/>
+            <a:ext cx="335280" cy="274320"/>
+          </a:xfrm>
+          <a:prstGeom prst="straightConnector1">
+            <a:avLst/>
+          </a:prstGeom>
+          <a:ln w="12700">
+            <a:solidFill>
+              <a:schemeClr val="tx1"/>
+            </a:solidFill>
+            <a:tailEnd type="triangle"/>
+          </a:ln>
+        </p:spPr>
+        <p:style>
+          <a:lnRef idx="1">
+            <a:schemeClr val="accent1"/>
+          </a:lnRef>
+          <a:fillRef idx="0">
+            <a:schemeClr val="accent1"/>
+          </a:fillRef>
+          <a:effectRef idx="0">
+            <a:schemeClr val="accent1"/>
+          </a:effectRef>
+          <a:fontRef idx="minor">
+            <a:schemeClr val="tx1"/>
+          </a:fontRef>
+        </p:style>
+      </p:cxnSp>
+      <p:cxnSp>
+        <p:nvCxnSpPr>
+          <p:cNvPr id="28" name="直線矢印コネクタ 27">
+            <a:extLst>
+              <a:ext uri="{FF2B5EF4-FFF2-40B4-BE49-F238E27FC236}">
+                <a16:creationId xmlns:a16="http://schemas.microsoft.com/office/drawing/2014/main" id="{A9FB93D6-06A6-C745-9478-AE014C0AE4AD}"/>
+              </a:ext>
+            </a:extLst>
+          </p:cNvPr>
+          <p:cNvCxnSpPr/>
+          <p:nvPr/>
+        </p:nvCxnSpPr>
+        <p:spPr>
+          <a:xfrm>
+            <a:off x="5476240" y="426720"/>
+            <a:ext cx="335280" cy="304800"/>
+          </a:xfrm>
+          <a:prstGeom prst="straightConnector1">
+            <a:avLst/>
+          </a:prstGeom>
+          <a:ln w="12700">
+            <a:solidFill>
+              <a:schemeClr val="tx1"/>
+            </a:solidFill>
+            <a:tailEnd type="triangle"/>
+          </a:ln>
+        </p:spPr>
+        <p:style>
+          <a:lnRef idx="1">
+            <a:schemeClr val="accent1"/>
+          </a:lnRef>
+          <a:fillRef idx="0">
+            <a:schemeClr val="accent1"/>
+          </a:fillRef>
+          <a:effectRef idx="0">
+            <a:schemeClr val="accent1"/>
+          </a:effectRef>
+          <a:fontRef idx="minor">
+            <a:schemeClr val="tx1"/>
+          </a:fontRef>
+        </p:style>
+      </p:cxnSp>
+      <p:sp>
+        <p:nvSpPr>
+          <p:cNvPr id="29" name="テキスト ボックス 28">
+            <a:extLst>
+              <a:ext uri="{FF2B5EF4-FFF2-40B4-BE49-F238E27FC236}">
+                <a16:creationId xmlns:a16="http://schemas.microsoft.com/office/drawing/2014/main" id="{D85DD5E6-23CE-AC43-AED3-6209A084B02E}"/>
+              </a:ext>
+            </a:extLst>
+          </p:cNvPr>
+          <p:cNvSpPr txBox="1"/>
+          <p:nvPr/>
+        </p:nvSpPr>
+        <p:spPr>
+          <a:xfrm>
+            <a:off x="3434080" y="1402080"/>
+            <a:ext cx="2031325" cy="646331"/>
+          </a:xfrm>
+          <a:prstGeom prst="rect">
+            <a:avLst/>
+          </a:prstGeom>
+          <a:noFill/>
+        </p:spPr>
+        <p:txBody>
+          <a:bodyPr wrap="none" rtlCol="0">
+            <a:spAutoFit/>
+          </a:bodyPr>
+          <a:lstStyle/>
+          <a:p>
+            <a:r>
+              <a:rPr kumimoji="1" lang="ja-JP" altLang="en-US"/>
+              <a:t>関数が作る</a:t>
+            </a:r>
+            <a:endParaRPr kumimoji="1" lang="en-US" altLang="ja-JP"/>
+          </a:p>
+          <a:p>
+            <a:r>
+              <a:rPr lang="ja-JP" altLang="en-US"/>
+              <a:t>ローカルスコープ</a:t>
+            </a:r>
+            <a:endParaRPr kumimoji="1" lang="ja-JP" altLang="en-US"/>
+          </a:p>
+        </p:txBody>
+      </p:sp>
+      <p:cxnSp>
+        <p:nvCxnSpPr>
+          <p:cNvPr id="31" name="直線矢印コネクタ 30">
+            <a:extLst>
+              <a:ext uri="{FF2B5EF4-FFF2-40B4-BE49-F238E27FC236}">
+                <a16:creationId xmlns:a16="http://schemas.microsoft.com/office/drawing/2014/main" id="{A19D8AF2-842A-2140-919A-A2106843DA22}"/>
+              </a:ext>
+            </a:extLst>
+          </p:cNvPr>
+          <p:cNvCxnSpPr>
+            <a:cxnSpLocks/>
+          </p:cNvCxnSpPr>
+          <p:nvPr/>
+        </p:nvCxnSpPr>
+        <p:spPr>
+          <a:xfrm>
+            <a:off x="5476240" y="1808480"/>
+            <a:ext cx="944880" cy="0"/>
+          </a:xfrm>
+          <a:prstGeom prst="straightConnector1">
+            <a:avLst/>
+          </a:prstGeom>
+          <a:ln w="12700">
+            <a:solidFill>
+              <a:schemeClr val="tx1"/>
+            </a:solidFill>
+            <a:tailEnd type="triangle"/>
+          </a:ln>
+        </p:spPr>
+        <p:style>
+          <a:lnRef idx="1">
+            <a:schemeClr val="accent1"/>
+          </a:lnRef>
+          <a:fillRef idx="0">
+            <a:schemeClr val="accent1"/>
+          </a:fillRef>
+          <a:effectRef idx="0">
+            <a:schemeClr val="accent1"/>
+          </a:effectRef>
+          <a:fontRef idx="minor">
+            <a:schemeClr val="tx1"/>
+          </a:fontRef>
+        </p:style>
+      </p:cxnSp>
+      <p:cxnSp>
+        <p:nvCxnSpPr>
+          <p:cNvPr id="34" name="直線矢印コネクタ 33">
+            <a:extLst>
+              <a:ext uri="{FF2B5EF4-FFF2-40B4-BE49-F238E27FC236}">
+                <a16:creationId xmlns:a16="http://schemas.microsoft.com/office/drawing/2014/main" id="{8DC97F23-AB31-164D-9B33-37D7FF293EA1}"/>
+              </a:ext>
+            </a:extLst>
+          </p:cNvPr>
+          <p:cNvCxnSpPr/>
+          <p:nvPr/>
+        </p:nvCxnSpPr>
+        <p:spPr>
+          <a:xfrm flipH="1">
+            <a:off x="3027680" y="1524000"/>
+            <a:ext cx="487680" cy="0"/>
+          </a:xfrm>
+          <a:prstGeom prst="straightConnector1">
+            <a:avLst/>
+          </a:prstGeom>
+          <a:ln w="12700">
+            <a:solidFill>
+              <a:schemeClr val="tx1"/>
+            </a:solidFill>
+            <a:tailEnd type="triangle"/>
+          </a:ln>
+        </p:spPr>
+        <p:style>
+          <a:lnRef idx="1">
+            <a:schemeClr val="accent1"/>
+          </a:lnRef>
+          <a:fillRef idx="0">
+            <a:schemeClr val="accent1"/>
+          </a:fillRef>
+          <a:effectRef idx="0">
+            <a:schemeClr val="accent1"/>
+          </a:effectRef>
+          <a:fontRef idx="minor">
+            <a:schemeClr val="tx1"/>
+          </a:fontRef>
+        </p:style>
+      </p:cxnSp>
+      <p:sp>
+        <p:nvSpPr>
+          <p:cNvPr id="35" name="正方形/長方形 34">
+            <a:extLst>
+              <a:ext uri="{FF2B5EF4-FFF2-40B4-BE49-F238E27FC236}">
+                <a16:creationId xmlns:a16="http://schemas.microsoft.com/office/drawing/2014/main" id="{0DE6D84E-B62F-2947-8045-D9222AFA1CDC}"/>
+              </a:ext>
+            </a:extLst>
+          </p:cNvPr>
+          <p:cNvSpPr/>
+          <p:nvPr/>
+        </p:nvSpPr>
+        <p:spPr>
+          <a:xfrm>
+            <a:off x="5248072" y="3261360"/>
+            <a:ext cx="3245688" cy="2648204"/>
+          </a:xfrm>
+          <a:prstGeom prst="rect">
+            <a:avLst/>
+          </a:prstGeom>
+          <a:solidFill>
+            <a:schemeClr val="accent1">
+              <a:lumMod val="20000"/>
+              <a:lumOff val="80000"/>
+            </a:schemeClr>
+          </a:solidFill>
+          <a:ln>
+            <a:noFill/>
+          </a:ln>
+        </p:spPr>
+        <p:style>
+          <a:lnRef idx="2">
+            <a:schemeClr val="accent1">
+              <a:shade val="50000"/>
+            </a:schemeClr>
+          </a:lnRef>
+          <a:fillRef idx="1">
+            <a:schemeClr val="accent1"/>
+          </a:fillRef>
+          <a:effectRef idx="0">
+            <a:schemeClr val="accent1"/>
+          </a:effectRef>
+          <a:fontRef idx="minor">
+            <a:schemeClr val="lt1"/>
+          </a:fontRef>
+        </p:style>
+        <p:txBody>
+          <a:bodyPr rtlCol="0" anchor="ctr"/>
+          <a:lstStyle/>
+          <a:p>
+            <a:pPr algn="ctr"/>
+            <a:endParaRPr kumimoji="1" lang="ja-JP" altLang="en-US">
+              <a:solidFill>
+                <a:schemeClr val="tx1"/>
+              </a:solidFill>
+            </a:endParaRPr>
+          </a:p>
+        </p:txBody>
+      </p:sp>
+      <p:sp>
+        <p:nvSpPr>
+          <p:cNvPr id="36" name="正方形/長方形 35">
+            <a:extLst>
+              <a:ext uri="{FF2B5EF4-FFF2-40B4-BE49-F238E27FC236}">
+                <a16:creationId xmlns:a16="http://schemas.microsoft.com/office/drawing/2014/main" id="{8F252DC7-6FED-354E-BACB-B2FABFBB281A}"/>
+              </a:ext>
+            </a:extLst>
+          </p:cNvPr>
+          <p:cNvSpPr/>
+          <p:nvPr/>
+        </p:nvSpPr>
+        <p:spPr>
+          <a:xfrm>
+            <a:off x="6990080" y="3788048"/>
+            <a:ext cx="1300480" cy="1728832"/>
+          </a:xfrm>
+          <a:prstGeom prst="rect">
+            <a:avLst/>
+          </a:prstGeom>
+          <a:solidFill>
+            <a:srgbClr val="FF8AD8"/>
+          </a:solidFill>
+          <a:ln>
+            <a:noFill/>
+          </a:ln>
+        </p:spPr>
+        <p:style>
+          <a:lnRef idx="2">
+            <a:schemeClr val="accent1">
+              <a:shade val="50000"/>
+            </a:schemeClr>
+          </a:lnRef>
+          <a:fillRef idx="1">
+            <a:schemeClr val="accent1"/>
+          </a:fillRef>
+          <a:effectRef idx="0">
+            <a:schemeClr val="accent1"/>
+          </a:effectRef>
+          <a:fontRef idx="minor">
+            <a:schemeClr val="lt1"/>
+          </a:fontRef>
+        </p:style>
+        <p:txBody>
+          <a:bodyPr rtlCol="0" anchor="ctr"/>
+          <a:lstStyle/>
+          <a:p>
+            <a:pPr algn="ctr"/>
+            <a:endParaRPr kumimoji="1" lang="ja-JP" altLang="en-US">
+              <a:solidFill>
+                <a:schemeClr val="tx1"/>
+              </a:solidFill>
+            </a:endParaRPr>
+          </a:p>
+        </p:txBody>
+      </p:sp>
+      <p:pic>
+        <p:nvPicPr>
+          <p:cNvPr id="37" name="図 36">
+            <a:extLst>
+              <a:ext uri="{FF2B5EF4-FFF2-40B4-BE49-F238E27FC236}">
+                <a16:creationId xmlns:a16="http://schemas.microsoft.com/office/drawing/2014/main" id="{3FC9E12F-9B1F-554F-A26C-2751C95E0A22}"/>
+              </a:ext>
+            </a:extLst>
+          </p:cNvPr>
+          <p:cNvPicPr>
+            <a:picLocks noChangeAspect="1"/>
+          </p:cNvPicPr>
+          <p:nvPr/>
+        </p:nvPicPr>
+        <p:blipFill>
+          <a:blip r:embed="rId3"/>
+          <a:stretch>
+            <a:fillRect/>
+          </a:stretch>
+        </p:blipFill>
+        <p:spPr>
+          <a:xfrm flipH="1">
+            <a:off x="5273063" y="3891280"/>
+            <a:ext cx="1461974" cy="1615440"/>
+          </a:xfrm>
+          <a:prstGeom prst="rect">
+            <a:avLst/>
+          </a:prstGeom>
+        </p:spPr>
+      </p:pic>
+      <p:pic>
+        <p:nvPicPr>
+          <p:cNvPr id="2" name="図 1">
+            <a:extLst>
+              <a:ext uri="{FF2B5EF4-FFF2-40B4-BE49-F238E27FC236}">
+                <a16:creationId xmlns:a16="http://schemas.microsoft.com/office/drawing/2014/main" id="{D0B59833-5622-D349-BC74-AC2AABCC9A43}"/>
+              </a:ext>
+            </a:extLst>
+          </p:cNvPr>
+          <p:cNvPicPr>
+            <a:picLocks noChangeAspect="1"/>
+          </p:cNvPicPr>
+          <p:nvPr/>
+        </p:nvPicPr>
+        <p:blipFill>
+          <a:blip r:embed="rId5"/>
+          <a:stretch>
+            <a:fillRect/>
+          </a:stretch>
+        </p:blipFill>
+        <p:spPr>
+          <a:xfrm>
+            <a:off x="6836409" y="3891280"/>
+            <a:ext cx="1186053" cy="1437640"/>
+          </a:xfrm>
+          <a:prstGeom prst="rect">
+            <a:avLst/>
+          </a:prstGeom>
+        </p:spPr>
+      </p:pic>
+      <p:pic>
+        <p:nvPicPr>
+          <p:cNvPr id="38" name="図 37">
+            <a:extLst>
+              <a:ext uri="{FF2B5EF4-FFF2-40B4-BE49-F238E27FC236}">
+                <a16:creationId xmlns:a16="http://schemas.microsoft.com/office/drawing/2014/main" id="{687736E2-71D6-2C40-B0BA-CC93363D65B3}"/>
+              </a:ext>
+            </a:extLst>
+          </p:cNvPr>
+          <p:cNvPicPr>
+            <a:picLocks noChangeAspect="1"/>
+          </p:cNvPicPr>
+          <p:nvPr/>
+        </p:nvPicPr>
+        <p:blipFill>
+          <a:blip r:embed="rId6"/>
+          <a:stretch>
+            <a:fillRect/>
+          </a:stretch>
+        </p:blipFill>
+        <p:spPr>
+          <a:xfrm>
+            <a:off x="6581140" y="3891280"/>
+            <a:ext cx="464820" cy="464820"/>
+          </a:xfrm>
+          <a:prstGeom prst="rect">
+            <a:avLst/>
+          </a:prstGeom>
+        </p:spPr>
+      </p:pic>
+      <p:sp>
+        <p:nvSpPr>
+          <p:cNvPr id="39" name="テキスト ボックス 38">
+            <a:extLst>
+              <a:ext uri="{FF2B5EF4-FFF2-40B4-BE49-F238E27FC236}">
+                <a16:creationId xmlns:a16="http://schemas.microsoft.com/office/drawing/2014/main" id="{1CCEC3DA-AE45-BE4A-BBE2-70B51EC22E55}"/>
+              </a:ext>
+            </a:extLst>
+          </p:cNvPr>
+          <p:cNvSpPr txBox="1"/>
+          <p:nvPr/>
+        </p:nvSpPr>
+        <p:spPr>
+          <a:xfrm>
+            <a:off x="5201920" y="2763520"/>
+            <a:ext cx="3185487" cy="369332"/>
+          </a:xfrm>
+          <a:prstGeom prst="rect">
+            <a:avLst/>
+          </a:prstGeom>
+          <a:noFill/>
+        </p:spPr>
+        <p:txBody>
+          <a:bodyPr wrap="none" rtlCol="0">
+            <a:spAutoFit/>
+          </a:bodyPr>
+          <a:lstStyle/>
+          <a:p>
+            <a:r>
+              <a:rPr kumimoji="1" lang="ja-JP" altLang="en-US"/>
+              <a:t>中から外を見ることはできる</a:t>
+            </a:r>
+          </a:p>
+        </p:txBody>
+      </p:sp>
+    </p:spTree>
+    <p:extLst>
+      <p:ext uri="{BB962C8B-B14F-4D97-AF65-F5344CB8AC3E}">
+        <p14:creationId xmlns:p14="http://schemas.microsoft.com/office/powerpoint/2010/main" val="3080785125"/>
+      </p:ext>
+    </p:extLst>
+  </p:cSld>
+  <p:clrMapOvr>
+    <a:masterClrMapping/>
+  </p:clrMapOvr>
+</p:sld>
+</file>
+
+<file path=ppt/slides/slide3.xml><?xml version="1.0" encoding="utf-8"?>
+<p:sld xmlns:a="http://schemas.openxmlformats.org/drawingml/2006/main" xmlns:r="http://schemas.openxmlformats.org/officeDocument/2006/relationships" xmlns:p="http://schemas.openxmlformats.org/presentationml/2006/main">
+  <p:cSld>
+    <p:spTree>
+      <p:nvGrpSpPr>
+        <p:cNvPr id="1" name=""/>
+        <p:cNvGrpSpPr/>
+        <p:nvPr/>
+      </p:nvGrpSpPr>
+      <p:grpSpPr>
+        <a:xfrm>
+          <a:off x="0" y="0"/>
+          <a:ext cx="0" cy="0"/>
+          <a:chOff x="0" y="0"/>
+          <a:chExt cx="0" cy="0"/>
+        </a:xfrm>
+      </p:grpSpPr>
+      <p:sp>
+        <p:nvSpPr>
+          <p:cNvPr id="2" name="正方形/長方形 1">
+            <a:extLst>
+              <a:ext uri="{FF2B5EF4-FFF2-40B4-BE49-F238E27FC236}">
+                <a16:creationId xmlns:a16="http://schemas.microsoft.com/office/drawing/2014/main" id="{F9CC5FEE-1C80-0840-821F-22190BA414C4}"/>
+              </a:ext>
+            </a:extLst>
+          </p:cNvPr>
+          <p:cNvSpPr/>
+          <p:nvPr/>
+        </p:nvSpPr>
+        <p:spPr>
+          <a:xfrm>
+            <a:off x="737032" y="1869440"/>
+            <a:ext cx="2504008" cy="2316480"/>
+          </a:xfrm>
+          <a:prstGeom prst="rect">
+            <a:avLst/>
+          </a:prstGeom>
+          <a:solidFill>
+            <a:schemeClr val="accent1">
+              <a:lumMod val="20000"/>
+              <a:lumOff val="80000"/>
+            </a:schemeClr>
+          </a:solidFill>
+          <a:ln>
+            <a:noFill/>
+          </a:ln>
+        </p:spPr>
+        <p:style>
+          <a:lnRef idx="2">
+            <a:schemeClr val="accent1">
+              <a:shade val="50000"/>
+            </a:schemeClr>
+          </a:lnRef>
+          <a:fillRef idx="1">
+            <a:schemeClr val="accent1"/>
+          </a:fillRef>
+          <a:effectRef idx="0">
+            <a:schemeClr val="accent1"/>
+          </a:effectRef>
+          <a:fontRef idx="minor">
+            <a:schemeClr val="lt1"/>
+          </a:fontRef>
+        </p:style>
+        <p:txBody>
+          <a:bodyPr rtlCol="0" anchor="ctr"/>
+          <a:lstStyle/>
+          <a:p>
+            <a:pPr algn="ctr"/>
+            <a:endParaRPr kumimoji="1" lang="ja-JP" altLang="en-US">
+              <a:solidFill>
+                <a:schemeClr val="tx1"/>
+              </a:solidFill>
+            </a:endParaRPr>
+          </a:p>
+        </p:txBody>
+      </p:sp>
+      <p:sp>
+        <p:nvSpPr>
+          <p:cNvPr id="4" name="正方形/長方形 3">
+            <a:extLst>
+              <a:ext uri="{FF2B5EF4-FFF2-40B4-BE49-F238E27FC236}">
+                <a16:creationId xmlns:a16="http://schemas.microsoft.com/office/drawing/2014/main" id="{B20A70D9-092E-8144-A211-BE0F821177A4}"/>
+              </a:ext>
+            </a:extLst>
+          </p:cNvPr>
+          <p:cNvSpPr/>
+          <p:nvPr/>
+        </p:nvSpPr>
+        <p:spPr>
+          <a:xfrm>
+            <a:off x="1330960" y="2700928"/>
+            <a:ext cx="1899920" cy="651872"/>
+          </a:xfrm>
+          <a:prstGeom prst="rect">
+            <a:avLst/>
+          </a:prstGeom>
+          <a:solidFill>
+            <a:srgbClr val="FF8AD8"/>
+          </a:solidFill>
+          <a:ln>
+            <a:noFill/>
+          </a:ln>
+        </p:spPr>
+        <p:style>
+          <a:lnRef idx="2">
+            <a:schemeClr val="accent1">
+              <a:shade val="50000"/>
+            </a:schemeClr>
+          </a:lnRef>
+          <a:fillRef idx="1">
+            <a:schemeClr val="accent1"/>
+          </a:fillRef>
+          <a:effectRef idx="0">
+            <a:schemeClr val="accent1"/>
+          </a:effectRef>
+          <a:fontRef idx="minor">
+            <a:schemeClr val="lt1"/>
+          </a:fontRef>
+        </p:style>
+        <p:txBody>
+          <a:bodyPr rtlCol="0" anchor="ctr"/>
+          <a:lstStyle/>
+          <a:p>
+            <a:pPr algn="ctr"/>
+            <a:endParaRPr kumimoji="1" lang="ja-JP" altLang="en-US">
+              <a:solidFill>
+                <a:schemeClr val="tx1"/>
+              </a:solidFill>
+            </a:endParaRPr>
+          </a:p>
+        </p:txBody>
+      </p:sp>
+      <p:sp>
+        <p:nvSpPr>
+          <p:cNvPr id="3" name="正方形/長方形 2">
+            <a:extLst>
+              <a:ext uri="{FF2B5EF4-FFF2-40B4-BE49-F238E27FC236}">
+                <a16:creationId xmlns:a16="http://schemas.microsoft.com/office/drawing/2014/main" id="{A203B846-EEA9-9043-9F89-D4368F977820}"/>
+              </a:ext>
+            </a:extLst>
+          </p:cNvPr>
+          <p:cNvSpPr/>
+          <p:nvPr/>
+        </p:nvSpPr>
+        <p:spPr>
+          <a:xfrm>
+            <a:off x="770568" y="1859816"/>
+            <a:ext cx="3024336" cy="2308324"/>
+          </a:xfrm>
+          <a:prstGeom prst="rect">
+            <a:avLst/>
+          </a:prstGeom>
+        </p:spPr>
+        <p:txBody>
+          <a:bodyPr wrap="square">
+            <a:spAutoFit/>
+          </a:bodyPr>
+          <a:lstStyle/>
+          <a:p>
+            <a:r>
+              <a:rPr lang="en-US" altLang="ja-JP">
+                <a:latin typeface="Menlo" panose="020B0609030804020204" pitchFamily="49" charset="0"/>
+                <a:cs typeface="Menlo" panose="020B0609030804020204" pitchFamily="49" charset="0"/>
+              </a:rPr>
+              <a:t>a = 10</a:t>
+            </a:r>
+          </a:p>
+          <a:p>
+            <a:endParaRPr lang="en-US" altLang="ja-JP">
+              <a:latin typeface="Menlo" panose="020B0609030804020204" pitchFamily="49" charset="0"/>
+              <a:cs typeface="Menlo" panose="020B0609030804020204" pitchFamily="49" charset="0"/>
+            </a:endParaRPr>
+          </a:p>
+          <a:p>
+            <a:r>
+              <a:rPr lang="en-US" altLang="ja-JP">
+                <a:latin typeface="Menlo" panose="020B0609030804020204" pitchFamily="49" charset="0"/>
+                <a:cs typeface="Menlo" panose="020B0609030804020204" pitchFamily="49" charset="0"/>
+              </a:rPr>
+              <a:t>def func():</a:t>
+            </a:r>
+          </a:p>
+          <a:p>
+            <a:r>
+              <a:rPr lang="en-US" altLang="ja-JP">
+                <a:latin typeface="Menlo" panose="020B0609030804020204" pitchFamily="49" charset="0"/>
+                <a:cs typeface="Menlo" panose="020B0609030804020204" pitchFamily="49" charset="0"/>
+              </a:rPr>
+              <a:t>    print(a)</a:t>
+            </a:r>
+          </a:p>
+          <a:p>
+            <a:r>
+              <a:rPr lang="en-US" altLang="ja-JP">
+                <a:latin typeface="Menlo" panose="020B0609030804020204" pitchFamily="49" charset="0"/>
+                <a:cs typeface="Menlo" panose="020B0609030804020204" pitchFamily="49" charset="0"/>
+              </a:rPr>
+              <a:t>    a = 20</a:t>
+            </a:r>
+          </a:p>
+          <a:p>
+            <a:endParaRPr lang="en-US" altLang="ja-JP">
+              <a:latin typeface="Menlo" panose="020B0609030804020204" pitchFamily="49" charset="0"/>
+              <a:cs typeface="Menlo" panose="020B0609030804020204" pitchFamily="49" charset="0"/>
+            </a:endParaRPr>
+          </a:p>
+          <a:p>
+            <a:r>
+              <a:rPr lang="en-US" altLang="ja-JP">
+                <a:latin typeface="Menlo" panose="020B0609030804020204" pitchFamily="49" charset="0"/>
+                <a:cs typeface="Menlo" panose="020B0609030804020204" pitchFamily="49" charset="0"/>
+              </a:rPr>
+              <a:t>func()</a:t>
+            </a:r>
+          </a:p>
+          <a:p>
+            <a:r>
+              <a:rPr lang="en-US" altLang="ja-JP">
+                <a:latin typeface="Menlo" panose="020B0609030804020204" pitchFamily="49" charset="0"/>
+                <a:cs typeface="Menlo" panose="020B0609030804020204" pitchFamily="49" charset="0"/>
+              </a:rPr>
+              <a:t>print(a)</a:t>
+            </a:r>
+          </a:p>
+        </p:txBody>
+      </p:sp>
+      <p:sp>
+        <p:nvSpPr>
+          <p:cNvPr id="5" name="テキスト ボックス 4">
+            <a:extLst>
+              <a:ext uri="{FF2B5EF4-FFF2-40B4-BE49-F238E27FC236}">
+                <a16:creationId xmlns:a16="http://schemas.microsoft.com/office/drawing/2014/main" id="{15C425D7-D492-6E4A-9EE3-1D048AD57C11}"/>
+              </a:ext>
+            </a:extLst>
+          </p:cNvPr>
+          <p:cNvSpPr txBox="1"/>
+          <p:nvPr/>
+        </p:nvSpPr>
+        <p:spPr>
+          <a:xfrm>
+            <a:off x="4124960" y="2519680"/>
+            <a:ext cx="4450257" cy="369332"/>
+          </a:xfrm>
+          <a:prstGeom prst="rect">
+            <a:avLst/>
+          </a:prstGeom>
+          <a:noFill/>
+        </p:spPr>
+        <p:txBody>
+          <a:bodyPr wrap="none" rtlCol="0">
+            <a:spAutoFit/>
+          </a:bodyPr>
+          <a:lstStyle/>
+          <a:p>
+            <a:r>
+              <a:rPr kumimoji="1" lang="ja-JP" altLang="en-US"/>
+              <a:t>この時点ではグローバル変数</a:t>
+            </a:r>
+            <a:r>
+              <a:rPr kumimoji="1" lang="en-US" altLang="ja-JP"/>
+              <a:t>a</a:t>
+            </a:r>
+            <a:r>
+              <a:rPr kumimoji="1" lang="ja-JP" altLang="en-US"/>
+              <a:t>を参照する</a:t>
+            </a:r>
+          </a:p>
+        </p:txBody>
+      </p:sp>
+      <p:cxnSp>
+        <p:nvCxnSpPr>
+          <p:cNvPr id="7" name="直線矢印コネクタ 6">
+            <a:extLst>
+              <a:ext uri="{FF2B5EF4-FFF2-40B4-BE49-F238E27FC236}">
+                <a16:creationId xmlns:a16="http://schemas.microsoft.com/office/drawing/2014/main" id="{A92C78DE-22DA-E14A-9A0D-1A0F8D3302B2}"/>
+              </a:ext>
+            </a:extLst>
+          </p:cNvPr>
+          <p:cNvCxnSpPr>
+            <a:stCxn id="5" idx="1"/>
+          </p:cNvCxnSpPr>
+          <p:nvPr/>
+        </p:nvCxnSpPr>
+        <p:spPr>
+          <a:xfrm flipH="1">
+            <a:off x="2519680" y="2704346"/>
+            <a:ext cx="1605280" cy="170934"/>
+          </a:xfrm>
+          <a:prstGeom prst="straightConnector1">
+            <a:avLst/>
+          </a:prstGeom>
+          <a:ln w="12700">
+            <a:solidFill>
+              <a:schemeClr val="tx1"/>
+            </a:solidFill>
+            <a:tailEnd type="triangle"/>
+          </a:ln>
+        </p:spPr>
+        <p:style>
+          <a:lnRef idx="1">
+            <a:schemeClr val="accent1"/>
+          </a:lnRef>
+          <a:fillRef idx="0">
+            <a:schemeClr val="accent1"/>
+          </a:fillRef>
+          <a:effectRef idx="0">
+            <a:schemeClr val="accent1"/>
+          </a:effectRef>
+          <a:fontRef idx="minor">
+            <a:schemeClr val="tx1"/>
+          </a:fontRef>
+        </p:style>
+      </p:cxnSp>
+      <p:sp>
+        <p:nvSpPr>
+          <p:cNvPr id="8" name="テキスト ボックス 7">
+            <a:extLst>
+              <a:ext uri="{FF2B5EF4-FFF2-40B4-BE49-F238E27FC236}">
+                <a16:creationId xmlns:a16="http://schemas.microsoft.com/office/drawing/2014/main" id="{2EB2CB9B-14DF-EB4E-9FF5-3A7E2AB87BBE}"/>
+              </a:ext>
+            </a:extLst>
+          </p:cNvPr>
+          <p:cNvSpPr txBox="1"/>
+          <p:nvPr/>
+        </p:nvSpPr>
+        <p:spPr>
+          <a:xfrm>
+            <a:off x="4185920" y="3251200"/>
+            <a:ext cx="3757760" cy="646331"/>
+          </a:xfrm>
+          <a:prstGeom prst="rect">
+            <a:avLst/>
+          </a:prstGeom>
+          <a:noFill/>
+        </p:spPr>
+        <p:txBody>
+          <a:bodyPr wrap="none" rtlCol="0">
+            <a:spAutoFit/>
+          </a:bodyPr>
+          <a:lstStyle/>
+          <a:p>
+            <a:r>
+              <a:rPr kumimoji="1" lang="ja-JP" altLang="en-US"/>
+              <a:t>ここで</a:t>
+            </a:r>
+            <a:r>
+              <a:rPr lang="en-US" altLang="ja-JP"/>
+              <a:t>(</a:t>
+            </a:r>
+            <a:r>
+              <a:rPr lang="ja-JP" altLang="en-US"/>
+              <a:t>グローバル変数</a:t>
+            </a:r>
+            <a:r>
+              <a:rPr lang="en-US" altLang="ja-JP"/>
+              <a:t>a</a:t>
+            </a:r>
+            <a:r>
+              <a:rPr lang="ja-JP" altLang="en-US"/>
+              <a:t>とは別の</a:t>
+            </a:r>
+            <a:r>
+              <a:rPr lang="en-US" altLang="ja-JP"/>
+              <a:t>)</a:t>
+            </a:r>
+          </a:p>
+          <a:p>
+            <a:r>
+              <a:rPr kumimoji="1" lang="ja-JP" altLang="en-US"/>
+              <a:t>あらたなローカル変数</a:t>
+            </a:r>
+            <a:r>
+              <a:rPr kumimoji="1" lang="en-US" altLang="ja-JP"/>
+              <a:t>a</a:t>
+            </a:r>
+            <a:r>
+              <a:rPr lang="ja-JP" altLang="en-US"/>
+              <a:t>が</a:t>
+            </a:r>
+            <a:r>
+              <a:rPr kumimoji="1" lang="ja-JP" altLang="en-US"/>
+              <a:t>作られる</a:t>
+            </a:r>
+            <a:endParaRPr kumimoji="1" lang="en-US" altLang="ja-JP"/>
+          </a:p>
+        </p:txBody>
+      </p:sp>
+      <p:cxnSp>
+        <p:nvCxnSpPr>
+          <p:cNvPr id="10" name="直線矢印コネクタ 9">
+            <a:extLst>
+              <a:ext uri="{FF2B5EF4-FFF2-40B4-BE49-F238E27FC236}">
+                <a16:creationId xmlns:a16="http://schemas.microsoft.com/office/drawing/2014/main" id="{1A48525A-9429-9B49-981F-0864E32ECB59}"/>
+              </a:ext>
+            </a:extLst>
+          </p:cNvPr>
+          <p:cNvCxnSpPr>
+            <a:stCxn id="8" idx="1"/>
+          </p:cNvCxnSpPr>
+          <p:nvPr/>
+        </p:nvCxnSpPr>
+        <p:spPr>
+          <a:xfrm flipH="1" flipV="1">
+            <a:off x="2326640" y="3159760"/>
+            <a:ext cx="1859280" cy="414606"/>
+          </a:xfrm>
+          <a:prstGeom prst="straightConnector1">
+            <a:avLst/>
+          </a:prstGeom>
+          <a:ln w="12700">
+            <a:solidFill>
+              <a:schemeClr val="tx1"/>
+            </a:solidFill>
+            <a:tailEnd type="triangle"/>
+          </a:ln>
+        </p:spPr>
+        <p:style>
+          <a:lnRef idx="1">
+            <a:schemeClr val="accent1"/>
+          </a:lnRef>
+          <a:fillRef idx="0">
+            <a:schemeClr val="accent1"/>
+          </a:fillRef>
+          <a:effectRef idx="0">
+            <a:schemeClr val="accent1"/>
+          </a:effectRef>
+          <a:fontRef idx="minor">
+            <a:schemeClr val="tx1"/>
+          </a:fontRef>
+        </p:style>
+      </p:cxnSp>
+      <p:sp>
+        <p:nvSpPr>
+          <p:cNvPr id="11" name="テキスト ボックス 10">
+            <a:extLst>
+              <a:ext uri="{FF2B5EF4-FFF2-40B4-BE49-F238E27FC236}">
+                <a16:creationId xmlns:a16="http://schemas.microsoft.com/office/drawing/2014/main" id="{A1484138-C6C4-C04D-8CA5-CACCA1E6A44E}"/>
+              </a:ext>
+            </a:extLst>
+          </p:cNvPr>
+          <p:cNvSpPr txBox="1"/>
+          <p:nvPr/>
+        </p:nvSpPr>
+        <p:spPr>
+          <a:xfrm>
+            <a:off x="1412240" y="1087120"/>
+            <a:ext cx="6340197" cy="461665"/>
+          </a:xfrm>
+          <a:prstGeom prst="rect">
+            <a:avLst/>
+          </a:prstGeom>
+          <a:noFill/>
+        </p:spPr>
+        <p:txBody>
+          <a:bodyPr wrap="none" rtlCol="0">
+            <a:spAutoFit/>
+          </a:bodyPr>
+          <a:lstStyle/>
+          <a:p>
+            <a:r>
+              <a:rPr lang="ja-JP" altLang="en-US" sz="2400"/>
+              <a:t>ローカル変数によるグローバル変数の上書き</a:t>
+            </a:r>
+          </a:p>
+        </p:txBody>
+      </p:sp>
+    </p:spTree>
+    <p:extLst>
+      <p:ext uri="{BB962C8B-B14F-4D97-AF65-F5344CB8AC3E}">
+        <p14:creationId xmlns:p14="http://schemas.microsoft.com/office/powerpoint/2010/main" val="3907769000"/>
+      </p:ext>
+    </p:extLst>
+  </p:cSld>
+  <p:clrMapOvr>
+    <a:masterClrMapping/>
+  </p:clrMapOvr>
+</p:sld>
+</file>
+
 <file path=ppt/theme/theme1.xml><?xml version="1.0" encoding="utf-8"?>
 <a:theme xmlns:a="http://schemas.openxmlformats.org/drawingml/2006/main" name="Office テーマ">
   <a:themeElements>

--- a/while/fig/fig.pptx
+++ b/while/fig/fig.pptx
@@ -2610,7 +2610,7 @@
         <p:spPr>
           <a:xfrm>
             <a:off x="1330960" y="2700928"/>
-            <a:ext cx="1899920" cy="651872"/>
+            <a:ext cx="1910080" cy="641712"/>
           </a:xfrm>
           <a:prstGeom prst="rect">
             <a:avLst/>
@@ -2707,7 +2707,7 @@
                 <a:latin typeface="Menlo" panose="020B0609030804020204" pitchFamily="49" charset="0"/>
                 <a:cs typeface="Menlo" panose="020B0609030804020204" pitchFamily="49" charset="0"/>
               </a:rPr>
-              <a:t>    print(a)</a:t>
+              <a:t>    a = 20</a:t>
             </a:r>
           </a:p>
           <a:p>
@@ -2716,7 +2716,7 @@
                 <a:latin typeface="Menlo" panose="020B0609030804020204" pitchFamily="49" charset="0"/>
                 <a:cs typeface="Menlo" panose="020B0609030804020204" pitchFamily="49" charset="0"/>
               </a:rPr>
-              <a:t>    a = 20</a:t>
+              <a:t>    print(a)</a:t>
             </a:r>
           </a:p>
           <a:p>
@@ -2747,10 +2747,10 @@
       </p:sp>
       <p:sp>
         <p:nvSpPr>
-          <p:cNvPr id="5" name="テキスト ボックス 4">
-            <a:extLst>
-              <a:ext uri="{FF2B5EF4-FFF2-40B4-BE49-F238E27FC236}">
-                <a16:creationId xmlns:a16="http://schemas.microsoft.com/office/drawing/2014/main" id="{15C425D7-D492-6E4A-9EE3-1D048AD57C11}"/>
+          <p:cNvPr id="8" name="テキスト ボックス 7">
+            <a:extLst>
+              <a:ext uri="{FF2B5EF4-FFF2-40B4-BE49-F238E27FC236}">
+                <a16:creationId xmlns:a16="http://schemas.microsoft.com/office/drawing/2014/main" id="{2EB2CB9B-14DF-EB4E-9FF5-3A7E2AB87BBE}"/>
               </a:ext>
             </a:extLst>
           </p:cNvPr>
@@ -2759,8 +2759,8 @@
         </p:nvSpPr>
         <p:spPr>
           <a:xfrm>
-            <a:off x="4124960" y="2519680"/>
-            <a:ext cx="4450257" cy="369332"/>
+            <a:off x="3931920" y="2682240"/>
+            <a:ext cx="4219425" cy="646331"/>
           </a:xfrm>
           <a:prstGeom prst="rect">
             <a:avLst/>
@@ -2775,132 +2775,30 @@
           <a:p>
             <a:r>
               <a:rPr kumimoji="1" lang="ja-JP" altLang="en-US"/>
-              <a:t>この時点ではグローバル変数</a:t>
+              <a:t>ローカル変数</a:t>
             </a:r>
             <a:r>
               <a:rPr kumimoji="1" lang="en-US" altLang="ja-JP"/>
               <a:t>a</a:t>
             </a:r>
             <a:r>
+              <a:rPr lang="ja-JP" altLang="en-US"/>
+              <a:t>が</a:t>
+            </a:r>
+            <a:r>
               <a:rPr kumimoji="1" lang="ja-JP" altLang="en-US"/>
-              <a:t>を参照する</a:t>
-            </a:r>
-          </a:p>
-        </p:txBody>
-      </p:sp>
-      <p:cxnSp>
-        <p:nvCxnSpPr>
-          <p:cNvPr id="7" name="直線矢印コネクタ 6">
-            <a:extLst>
-              <a:ext uri="{FF2B5EF4-FFF2-40B4-BE49-F238E27FC236}">
-                <a16:creationId xmlns:a16="http://schemas.microsoft.com/office/drawing/2014/main" id="{A92C78DE-22DA-E14A-9A0D-1A0F8D3302B2}"/>
-              </a:ext>
-            </a:extLst>
-          </p:cNvPr>
-          <p:cNvCxnSpPr>
-            <a:stCxn id="5" idx="1"/>
-          </p:cNvCxnSpPr>
-          <p:nvPr/>
-        </p:nvCxnSpPr>
-        <p:spPr>
-          <a:xfrm flipH="1">
-            <a:off x="2519680" y="2704346"/>
-            <a:ext cx="1605280" cy="170934"/>
-          </a:xfrm>
-          <a:prstGeom prst="straightConnector1">
-            <a:avLst/>
-          </a:prstGeom>
-          <a:ln w="12700">
-            <a:solidFill>
-              <a:schemeClr val="tx1"/>
-            </a:solidFill>
-            <a:tailEnd type="triangle"/>
-          </a:ln>
-        </p:spPr>
-        <p:style>
-          <a:lnRef idx="1">
-            <a:schemeClr val="accent1"/>
-          </a:lnRef>
-          <a:fillRef idx="0">
-            <a:schemeClr val="accent1"/>
-          </a:fillRef>
-          <a:effectRef idx="0">
-            <a:schemeClr val="accent1"/>
-          </a:effectRef>
-          <a:fontRef idx="minor">
-            <a:schemeClr val="tx1"/>
-          </a:fontRef>
-        </p:style>
-      </p:cxnSp>
-      <p:sp>
-        <p:nvSpPr>
-          <p:cNvPr id="8" name="テキスト ボックス 7">
-            <a:extLst>
-              <a:ext uri="{FF2B5EF4-FFF2-40B4-BE49-F238E27FC236}">
-                <a16:creationId xmlns:a16="http://schemas.microsoft.com/office/drawing/2014/main" id="{2EB2CB9B-14DF-EB4E-9FF5-3A7E2AB87BBE}"/>
-              </a:ext>
-            </a:extLst>
-          </p:cNvPr>
-          <p:cNvSpPr txBox="1"/>
-          <p:nvPr/>
-        </p:nvSpPr>
-        <p:spPr>
-          <a:xfrm>
-            <a:off x="4185920" y="3251200"/>
-            <a:ext cx="3757760" cy="646331"/>
-          </a:xfrm>
-          <a:prstGeom prst="rect">
-            <a:avLst/>
-          </a:prstGeom>
-          <a:noFill/>
-        </p:spPr>
-        <p:txBody>
-          <a:bodyPr wrap="none" rtlCol="0">
-            <a:spAutoFit/>
-          </a:bodyPr>
-          <a:lstStyle/>
-          <a:p>
-            <a:r>
-              <a:rPr kumimoji="1" lang="ja-JP" altLang="en-US"/>
-              <a:t>ここで</a:t>
-            </a:r>
-            <a:r>
-              <a:rPr lang="en-US" altLang="ja-JP"/>
-              <a:t>(</a:t>
-            </a:r>
+              <a:t>作られる</a:t>
+            </a:r>
+            <a:endParaRPr kumimoji="1" lang="en-US" altLang="ja-JP"/>
+          </a:p>
+          <a:p>
             <a:r>
               <a:rPr lang="ja-JP" altLang="en-US"/>
-              <a:t>グローバル変数</a:t>
+              <a:t>ここで表示されるのはローカル変数の</a:t>
             </a:r>
             <a:r>
               <a:rPr lang="en-US" altLang="ja-JP"/>
               <a:t>a</a:t>
-            </a:r>
-            <a:r>
-              <a:rPr lang="ja-JP" altLang="en-US"/>
-              <a:t>とは別の</a:t>
-            </a:r>
-            <a:r>
-              <a:rPr lang="en-US" altLang="ja-JP"/>
-              <a:t>)</a:t>
-            </a:r>
-          </a:p>
-          <a:p>
-            <a:r>
-              <a:rPr kumimoji="1" lang="ja-JP" altLang="en-US"/>
-              <a:t>あらたなローカル変数</a:t>
-            </a:r>
-            <a:r>
-              <a:rPr kumimoji="1" lang="en-US" altLang="ja-JP"/>
-              <a:t>a</a:t>
-            </a:r>
-            <a:r>
-              <a:rPr lang="ja-JP" altLang="en-US"/>
-              <a:t>が</a:t>
-            </a:r>
-            <a:r>
-              <a:rPr kumimoji="1" lang="ja-JP" altLang="en-US"/>
-              <a:t>作られる</a:t>
             </a:r>
             <a:endParaRPr kumimoji="1" lang="en-US" altLang="ja-JP"/>
           </a:p>
@@ -2916,14 +2814,14 @@
             </a:extLst>
           </p:cNvPr>
           <p:cNvCxnSpPr>
-            <a:stCxn id="8" idx="1"/>
+            <a:cxnSpLocks/>
           </p:cNvCxnSpPr>
           <p:nvPr/>
         </p:nvCxnSpPr>
         <p:spPr>
-          <a:xfrm flipH="1" flipV="1">
-            <a:off x="2326640" y="3159760"/>
-            <a:ext cx="1859280" cy="414606"/>
+          <a:xfrm flipH="1">
+            <a:off x="2468880" y="2866906"/>
+            <a:ext cx="1493520" cy="0"/>
           </a:xfrm>
           <a:prstGeom prst="straightConnector1">
             <a:avLst/>
@@ -2985,6 +2883,219 @@
           </a:p>
         </p:txBody>
       </p:sp>
+      <p:cxnSp>
+        <p:nvCxnSpPr>
+          <p:cNvPr id="12" name="直線矢印コネクタ 11">
+            <a:extLst>
+              <a:ext uri="{FF2B5EF4-FFF2-40B4-BE49-F238E27FC236}">
+                <a16:creationId xmlns:a16="http://schemas.microsoft.com/office/drawing/2014/main" id="{D88EA159-6D5A-454C-A2D0-FB799A2BCA16}"/>
+              </a:ext>
+            </a:extLst>
+          </p:cNvPr>
+          <p:cNvCxnSpPr>
+            <a:cxnSpLocks/>
+          </p:cNvCxnSpPr>
+          <p:nvPr/>
+        </p:nvCxnSpPr>
+        <p:spPr>
+          <a:xfrm flipH="1">
+            <a:off x="2519680" y="3120906"/>
+            <a:ext cx="1493520" cy="0"/>
+          </a:xfrm>
+          <a:prstGeom prst="straightConnector1">
+            <a:avLst/>
+          </a:prstGeom>
+          <a:ln w="12700">
+            <a:solidFill>
+              <a:schemeClr val="tx1"/>
+            </a:solidFill>
+            <a:tailEnd type="triangle"/>
+          </a:ln>
+        </p:spPr>
+        <p:style>
+          <a:lnRef idx="1">
+            <a:schemeClr val="accent1"/>
+          </a:lnRef>
+          <a:fillRef idx="0">
+            <a:schemeClr val="accent1"/>
+          </a:fillRef>
+          <a:effectRef idx="0">
+            <a:schemeClr val="accent1"/>
+          </a:effectRef>
+          <a:fontRef idx="minor">
+            <a:schemeClr val="tx1"/>
+          </a:fontRef>
+        </p:style>
+      </p:cxnSp>
+      <p:cxnSp>
+        <p:nvCxnSpPr>
+          <p:cNvPr id="13" name="直線矢印コネクタ 12">
+            <a:extLst>
+              <a:ext uri="{FF2B5EF4-FFF2-40B4-BE49-F238E27FC236}">
+                <a16:creationId xmlns:a16="http://schemas.microsoft.com/office/drawing/2014/main" id="{9D8CD98B-4572-6740-9780-AD06F1FB4B0A}"/>
+              </a:ext>
+            </a:extLst>
+          </p:cNvPr>
+          <p:cNvCxnSpPr>
+            <a:cxnSpLocks/>
+          </p:cNvCxnSpPr>
+          <p:nvPr/>
+        </p:nvCxnSpPr>
+        <p:spPr>
+          <a:xfrm flipH="1">
+            <a:off x="2011680" y="3964186"/>
+            <a:ext cx="1493520" cy="0"/>
+          </a:xfrm>
+          <a:prstGeom prst="straightConnector1">
+            <a:avLst/>
+          </a:prstGeom>
+          <a:ln w="12700">
+            <a:solidFill>
+              <a:schemeClr val="tx1"/>
+            </a:solidFill>
+            <a:tailEnd type="triangle"/>
+          </a:ln>
+        </p:spPr>
+        <p:style>
+          <a:lnRef idx="1">
+            <a:schemeClr val="accent1"/>
+          </a:lnRef>
+          <a:fillRef idx="0">
+            <a:schemeClr val="accent1"/>
+          </a:fillRef>
+          <a:effectRef idx="0">
+            <a:schemeClr val="accent1"/>
+          </a:effectRef>
+          <a:fontRef idx="minor">
+            <a:schemeClr val="tx1"/>
+          </a:fontRef>
+        </p:style>
+      </p:cxnSp>
+      <p:sp>
+        <p:nvSpPr>
+          <p:cNvPr id="14" name="正方形/長方形 13">
+            <a:extLst>
+              <a:ext uri="{FF2B5EF4-FFF2-40B4-BE49-F238E27FC236}">
+                <a16:creationId xmlns:a16="http://schemas.microsoft.com/office/drawing/2014/main" id="{F85F6665-25ED-964D-BEE7-9E7769DEEA80}"/>
+              </a:ext>
+            </a:extLst>
+          </p:cNvPr>
+          <p:cNvSpPr/>
+          <p:nvPr/>
+        </p:nvSpPr>
+        <p:spPr>
+          <a:xfrm>
+            <a:off x="3529087" y="3792974"/>
+            <a:ext cx="4450257" cy="369332"/>
+          </a:xfrm>
+          <a:prstGeom prst="rect">
+            <a:avLst/>
+          </a:prstGeom>
+        </p:spPr>
+        <p:txBody>
+          <a:bodyPr wrap="none">
+            <a:spAutoFit/>
+          </a:bodyPr>
+          <a:lstStyle/>
+          <a:p>
+            <a:r>
+              <a:rPr lang="ja-JP" altLang="en-US"/>
+              <a:t>ここで表示されるのはグローバル変数の</a:t>
+            </a:r>
+            <a:r>
+              <a:rPr lang="en-US" altLang="ja-JP"/>
+              <a:t>a</a:t>
+            </a:r>
+          </a:p>
+        </p:txBody>
+      </p:sp>
+      <p:sp>
+        <p:nvSpPr>
+          <p:cNvPr id="15" name="正方形/長方形 14">
+            <a:extLst>
+              <a:ext uri="{FF2B5EF4-FFF2-40B4-BE49-F238E27FC236}">
+                <a16:creationId xmlns:a16="http://schemas.microsoft.com/office/drawing/2014/main" id="{C90B169C-CDA2-7B48-953D-66EA6071A139}"/>
+              </a:ext>
+            </a:extLst>
+          </p:cNvPr>
+          <p:cNvSpPr/>
+          <p:nvPr/>
+        </p:nvSpPr>
+        <p:spPr>
+          <a:xfrm>
+            <a:off x="3529087" y="1893054"/>
+            <a:ext cx="3065263" cy="369332"/>
+          </a:xfrm>
+          <a:prstGeom prst="rect">
+            <a:avLst/>
+          </a:prstGeom>
+        </p:spPr>
+        <p:txBody>
+          <a:bodyPr wrap="none">
+            <a:spAutoFit/>
+          </a:bodyPr>
+          <a:lstStyle/>
+          <a:p>
+            <a:r>
+              <a:rPr lang="ja-JP" altLang="en-US"/>
+              <a:t>グローバル変数</a:t>
+            </a:r>
+            <a:r>
+              <a:rPr lang="en-US" altLang="ja-JP"/>
+              <a:t>a</a:t>
+            </a:r>
+            <a:r>
+              <a:rPr lang="ja-JP" altLang="en-US"/>
+              <a:t>が作られる</a:t>
+            </a:r>
+            <a:endParaRPr lang="en-US" altLang="ja-JP"/>
+          </a:p>
+        </p:txBody>
+      </p:sp>
+      <p:cxnSp>
+        <p:nvCxnSpPr>
+          <p:cNvPr id="16" name="直線矢印コネクタ 15">
+            <a:extLst>
+              <a:ext uri="{FF2B5EF4-FFF2-40B4-BE49-F238E27FC236}">
+                <a16:creationId xmlns:a16="http://schemas.microsoft.com/office/drawing/2014/main" id="{27A38EE6-6FF9-7A46-A735-3CE458A17933}"/>
+              </a:ext>
+            </a:extLst>
+          </p:cNvPr>
+          <p:cNvCxnSpPr>
+            <a:cxnSpLocks/>
+          </p:cNvCxnSpPr>
+          <p:nvPr/>
+        </p:nvCxnSpPr>
+        <p:spPr>
+          <a:xfrm flipH="1">
+            <a:off x="2042160" y="2054106"/>
+            <a:ext cx="1493520" cy="0"/>
+          </a:xfrm>
+          <a:prstGeom prst="straightConnector1">
+            <a:avLst/>
+          </a:prstGeom>
+          <a:ln w="12700">
+            <a:solidFill>
+              <a:schemeClr val="tx1"/>
+            </a:solidFill>
+            <a:tailEnd type="triangle"/>
+          </a:ln>
+        </p:spPr>
+        <p:style>
+          <a:lnRef idx="1">
+            <a:schemeClr val="accent1"/>
+          </a:lnRef>
+          <a:fillRef idx="0">
+            <a:schemeClr val="accent1"/>
+          </a:fillRef>
+          <a:effectRef idx="0">
+            <a:schemeClr val="accent1"/>
+          </a:effectRef>
+          <a:fontRef idx="minor">
+            <a:schemeClr val="tx1"/>
+          </a:fontRef>
+        </p:style>
+      </p:cxnSp>
     </p:spTree>
     <p:extLst>
       <p:ext uri="{BB962C8B-B14F-4D97-AF65-F5344CB8AC3E}">
